--- a/4s/4s.pptx
+++ b/4s/4s.pptx
@@ -9666,35 +9666,12 @@
               <a:t>회</a:t>
             </a:r>
             <a:r>
-              <a:rPr lang="en-US" altLang="ko" sz="3200" b="0" dirty="0" smtClean="0">
+              <a:rPr lang="en-US" altLang="ko" sz="3200" b="0" smtClean="0">
                 <a:latin typeface="Apple SD Gothic Neo Thin" charset="-127"/>
                 <a:ea typeface="Apple SD Gothic Neo Thin" charset="-127"/>
                 <a:cs typeface="Apple SD Gothic Neo Thin" charset="-127"/>
               </a:rPr>
               <a:t>차</a:t>
-            </a:r>
-            <a:br>
-              <a:rPr lang="en-US" altLang="ko" sz="3200" b="0" dirty="0" smtClean="0">
-                <a:latin typeface="Apple SD Gothic Neo Thin" charset="-127"/>
-                <a:ea typeface="Apple SD Gothic Neo Thin" charset="-127"/>
-                <a:cs typeface="Apple SD Gothic Neo Thin" charset="-127"/>
-              </a:rPr>
-            </a:br>
-            <a:r>
-              <a:rPr lang="en-US" altLang="ko" sz="3200" b="0" dirty="0" err="1" smtClean="0">
-                <a:latin typeface="Apple SD Gothic Neo Thin" charset="-127"/>
-                <a:ea typeface="Apple SD Gothic Neo Thin" charset="-127"/>
-                <a:cs typeface="Apple SD Gothic Neo Thin" charset="-127"/>
-              </a:rPr>
-              <a:t>wifi</a:t>
-            </a:r>
-            <a:r>
-              <a:rPr lang="en-US" altLang="ko" sz="3200" b="0" dirty="0" smtClean="0">
-                <a:latin typeface="Apple SD Gothic Neo Thin" charset="-127"/>
-                <a:ea typeface="Apple SD Gothic Neo Thin" charset="-127"/>
-                <a:cs typeface="Apple SD Gothic Neo Thin" charset="-127"/>
-              </a:rPr>
-              <a:t> p@$$w0rd: track333</a:t>
             </a:r>
             <a:endParaRPr lang="ko" sz="3200" b="0" dirty="0">
               <a:latin typeface="Apple SD Gothic Neo Thin" charset="-127"/>
@@ -12168,18 +12145,7 @@
                 <a:ea typeface="Apple SD Gothic Neo Thin" charset="-127"/>
                 <a:cs typeface="Apple SD Gothic Neo Thin" charset="-127"/>
               </a:rPr>
-              <a:t>스택 </a:t>
-            </a:r>
-            <a:r>
-              <a:rPr lang="ko-KR" altLang="en-US" dirty="0" smtClean="0">
-                <a:solidFill>
-                  <a:schemeClr val="bg1"/>
-                </a:solidFill>
-                <a:latin typeface="Apple SD Gothic Neo Thin" charset="-127"/>
-                <a:ea typeface="Apple SD Gothic Neo Thin" charset="-127"/>
-                <a:cs typeface="Apple SD Gothic Neo Thin" charset="-127"/>
-              </a:rPr>
-              <a:t>클래스 구현</a:t>
+              <a:t>스택 클래스 구현</a:t>
             </a:r>
             <a:endParaRPr lang="ko" dirty="0">
               <a:solidFill>
